--- a/mainproject.pptx
+++ b/mainproject.pptx
@@ -290,14 +290,6 @@
     </p:ext>
   </p:extLst>
 </p:presentation>
-</file>
-
-<file path=ppt/revisionInfo.xml><?xml version="1.0" encoding="utf-8"?>
-<p1510:revInfo xmlns:a="http://schemas.openxmlformats.org/drawingml/2006/main" xmlns:r="http://schemas.openxmlformats.org/officeDocument/2006/relationships" xmlns:p1510="http://schemas.microsoft.com/office/powerpoint/2015/10/main">
-  <p1510:revLst>
-    <p1510:client id="{3DBEBC01-573C-40B4-AF2A-5F36A21E650F}" v="55" dt="2022-01-08T17:33:53.696"/>
-  </p1510:revLst>
-</p1510:revInfo>
 </file>
 
 <file path=ppt/notesMasters/notesMaster1.xml><?xml version="1.0" encoding="utf-8"?>
@@ -5582,6 +5574,14 @@
 <file path=ppt/slides/slide1.xml><?xml version="1.0" encoding="utf-8"?>
 <p:sld xmlns:a="http://schemas.openxmlformats.org/drawingml/2006/main" xmlns:r="http://schemas.openxmlformats.org/officeDocument/2006/relationships" xmlns:p="http://schemas.openxmlformats.org/presentationml/2006/main">
   <p:cSld>
+    <p:bg>
+      <p:bgPr>
+        <a:solidFill>
+          <a:schemeClr val="bg1"/>
+        </a:solidFill>
+        <a:effectLst/>
+      </p:bgPr>
+    </p:bg>
     <p:spTree>
       <p:nvGrpSpPr>
         <p:cNvPr id="1" name="Shape 70"/>
@@ -9440,7 +9440,7 @@
         <p:spPr bwMode="auto">
           <a:xfrm>
             <a:off x="654992" y="3000112"/>
-            <a:ext cx="6615594" cy="246221"/>
+            <a:ext cx="6904134" cy="246221"/>
           </a:xfrm>
           <a:prstGeom prst="rect">
             <a:avLst/>
@@ -9483,7 +9483,7 @@
           </a:bodyPr>
           <a:lstStyle/>
           <a:p>
-            <a:pPr marL="0" marR="0" lvl="0" indent="0" algn="l" defTabSz="914400" rtl="0" eaLnBrk="0" fontAlgn="base" latinLnBrk="0" hangingPunct="0">
+            <a:pPr marL="285750" marR="0" lvl="0" indent="-285750" algn="l" defTabSz="914400" rtl="0" eaLnBrk="0" fontAlgn="base" latinLnBrk="0" hangingPunct="0">
               <a:lnSpc>
                 <a:spcPct val="100000"/>
               </a:lnSpc>
@@ -9495,8 +9495,8 @@
               </a:spcAft>
               <a:buClrTx/>
               <a:buSzTx/>
-              <a:buFontTx/>
-              <a:buNone/>
+              <a:buFont typeface="Wingdings" panose="05000000000000000000" pitchFamily="2" charset="2"/>
+              <a:buChar char="q"/>
               <a:tabLst/>
             </a:pPr>
             <a:r>
@@ -9510,7 +9510,33 @@
                 <a:effectLst/>
                 <a:latin typeface="+mj-lt"/>
               </a:rPr>
-              <a:t>The Random Forest model accuracy score was 66% on test dataset</a:t>
+              <a:t>The Random Forest model accuracy score was </a:t>
+            </a:r>
+            <a:r>
+              <a:rPr kumimoji="0" lang="en-US" altLang="en-US" sz="1600" b="1" i="0" u="sng" strike="noStrike" cap="none" normalizeH="0" baseline="0" dirty="0">
+                <a:ln>
+                  <a:noFill/>
+                </a:ln>
+                <a:solidFill>
+                  <a:srgbClr val="000000"/>
+                </a:solidFill>
+                <a:effectLst/>
+                <a:latin typeface="+mj-lt"/>
+              </a:rPr>
+              <a:t>66% </a:t>
+            </a:r>
+            <a:r>
+              <a:rPr kumimoji="0" lang="en-US" altLang="en-US" sz="1600" b="1" i="0" u="none" strike="noStrike" cap="none" normalizeH="0" baseline="0" dirty="0">
+                <a:ln>
+                  <a:noFill/>
+                </a:ln>
+                <a:solidFill>
+                  <a:srgbClr val="000000"/>
+                </a:solidFill>
+                <a:effectLst/>
+                <a:latin typeface="+mj-lt"/>
+              </a:rPr>
+              <a:t>on test dataset</a:t>
             </a:r>
             <a:r>
               <a:rPr kumimoji="0" lang="en-US" altLang="en-US" sz="1600" b="1" i="0" u="none" strike="noStrike" cap="none" normalizeH="0" baseline="0" dirty="0">
@@ -9545,7 +9571,7 @@
         <p:spPr bwMode="auto">
           <a:xfrm>
             <a:off x="654992" y="4058009"/>
-            <a:ext cx="6615594" cy="246221"/>
+            <a:ext cx="6904134" cy="246221"/>
           </a:xfrm>
           <a:prstGeom prst="rect">
             <a:avLst/>
@@ -9588,7 +9614,7 @@
           </a:bodyPr>
           <a:lstStyle/>
           <a:p>
-            <a:pPr marL="0" marR="0" lvl="0" indent="0" algn="l" defTabSz="914400" rtl="0" eaLnBrk="0" fontAlgn="base" latinLnBrk="0" hangingPunct="0">
+            <a:pPr marL="285750" marR="0" lvl="0" indent="-285750" algn="l" defTabSz="914400" rtl="0" eaLnBrk="0" fontAlgn="base" latinLnBrk="0" hangingPunct="0">
               <a:lnSpc>
                 <a:spcPct val="100000"/>
               </a:lnSpc>
@@ -9600,8 +9626,8 @@
               </a:spcAft>
               <a:buClrTx/>
               <a:buSzTx/>
-              <a:buFontTx/>
-              <a:buNone/>
+              <a:buFont typeface="Wingdings" panose="05000000000000000000" pitchFamily="2" charset="2"/>
+              <a:buChar char="q"/>
               <a:tabLst/>
             </a:pPr>
             <a:r>
@@ -9615,7 +9641,33 @@
                 <a:effectLst/>
                 <a:latin typeface="+mj-lt"/>
               </a:rPr>
-              <a:t>The Random Forest model accuracy score was 69% on test dataset</a:t>
+              <a:t>The Random Forest model accuracy score was </a:t>
+            </a:r>
+            <a:r>
+              <a:rPr kumimoji="0" lang="en-US" altLang="en-US" sz="1600" b="1" i="0" u="sng" strike="noStrike" cap="none" normalizeH="0" baseline="0" dirty="0">
+                <a:ln>
+                  <a:noFill/>
+                </a:ln>
+                <a:solidFill>
+                  <a:srgbClr val="000000"/>
+                </a:solidFill>
+                <a:effectLst/>
+                <a:latin typeface="+mj-lt"/>
+              </a:rPr>
+              <a:t>69%</a:t>
+            </a:r>
+            <a:r>
+              <a:rPr kumimoji="0" lang="en-US" altLang="en-US" sz="1600" b="1" i="0" u="none" strike="noStrike" cap="none" normalizeH="0" baseline="0" dirty="0">
+                <a:ln>
+                  <a:noFill/>
+                </a:ln>
+                <a:solidFill>
+                  <a:srgbClr val="000000"/>
+                </a:solidFill>
+                <a:effectLst/>
+                <a:latin typeface="+mj-lt"/>
+              </a:rPr>
+              <a:t> on test dataset</a:t>
             </a:r>
             <a:r>
               <a:rPr kumimoji="0" lang="en-US" altLang="en-US" sz="1600" b="1" i="0" u="none" strike="noStrike" cap="none" normalizeH="0" baseline="0" dirty="0">
@@ -9661,6 +9713,10 @@
           </a:bodyPr>
           <a:lstStyle/>
           <a:p>
+            <a:pPr marL="285750" indent="-285750">
+              <a:buFont typeface="Wingdings" panose="05000000000000000000" pitchFamily="2" charset="2"/>
+              <a:buChar char="q"/>
+            </a:pPr>
             <a:r>
               <a:rPr lang="en-GB" sz="1600" b="1" i="0" dirty="0">
                 <a:solidFill>
@@ -9669,7 +9725,27 @@
                 <a:effectLst/>
                 <a:latin typeface="+mj-lt"/>
               </a:rPr>
-              <a:t>The Decision Tree model accuracy score was 65% on test dataset</a:t>
+              <a:t>The Decision Tree model accuracy score was </a:t>
+            </a:r>
+            <a:r>
+              <a:rPr lang="en-GB" sz="1600" b="1" i="0" u="sng" dirty="0">
+                <a:solidFill>
+                  <a:srgbClr val="000000"/>
+                </a:solidFill>
+                <a:effectLst/>
+                <a:latin typeface="+mj-lt"/>
+              </a:rPr>
+              <a:t>65% </a:t>
+            </a:r>
+            <a:r>
+              <a:rPr lang="en-GB" sz="1600" b="1" i="0" dirty="0">
+                <a:solidFill>
+                  <a:srgbClr val="000000"/>
+                </a:solidFill>
+                <a:effectLst/>
+                <a:latin typeface="+mj-lt"/>
+              </a:rPr>
+              <a:t>on test dataset</a:t>
             </a:r>
           </a:p>
           <a:p>
@@ -9775,7 +9851,7 @@
           <a:p>
             <a:r>
               <a:rPr lang="en-GB" sz="4400" b="1" dirty="0">
-                <a:latin typeface="Bahnschrift Light Condensed" panose="020B0502040204020203" pitchFamily="34" charset="0"/>
+                <a:latin typeface="+mj-lt"/>
               </a:rPr>
               <a:t>Conclusion</a:t>
             </a:r>
@@ -9802,8 +9878,8 @@
         </p:nvSpPr>
         <p:spPr>
           <a:xfrm>
-            <a:off x="914907" y="1491461"/>
-            <a:ext cx="7675740" cy="2554545"/>
+            <a:off x="688124" y="1491461"/>
+            <a:ext cx="8334162" cy="2554545"/>
           </a:xfrm>
           <a:prstGeom prst="rect">
             <a:avLst/>
@@ -9837,7 +9913,7 @@
                   <a:srgbClr val="000000"/>
                 </a:solidFill>
                 <a:effectLst/>
-                <a:latin typeface="Helvetica Neue"/>
+                <a:latin typeface="+mj-lt"/>
               </a:rPr>
               <a:t>the most way used to transfer the shipment by </a:t>
             </a:r>
@@ -9847,13 +9923,13 @@
                   <a:srgbClr val="000000"/>
                 </a:solidFill>
                 <a:effectLst/>
-                <a:latin typeface="Helvetica Neue"/>
+                <a:latin typeface="+mj-lt"/>
               </a:rPr>
               <a:t>the shi</a:t>
             </a:r>
             <a:r>
               <a:rPr lang="en-GB" sz="1600" b="1" u="sng" dirty="0">
-                <a:latin typeface="Helvetica Neue"/>
+                <a:latin typeface="+mj-lt"/>
               </a:rPr>
               <a:t>p</a:t>
             </a:r>
@@ -9866,7 +9942,7 @@
             <a:r>
               <a:rPr lang="en-GB" sz="1600" dirty="0">
                 <a:effectLst/>
-                <a:latin typeface="Calibri" panose="020F0502020204030204" pitchFamily="34" charset="0"/>
+                <a:latin typeface="+mj-lt"/>
                 <a:ea typeface="Calibri" panose="020F0502020204030204" pitchFamily="34" charset="0"/>
                 <a:cs typeface="Arial" panose="020B0604020202020204" pitchFamily="34" charset="0"/>
               </a:rPr>
@@ -9875,7 +9951,7 @@
             <a:r>
               <a:rPr lang="en-GB" sz="1600" b="1" u="sng" dirty="0">
                 <a:effectLst/>
-                <a:latin typeface="Calibri" panose="020F0502020204030204" pitchFamily="34" charset="0"/>
+                <a:latin typeface="+mj-lt"/>
                 <a:ea typeface="Calibri" panose="020F0502020204030204" pitchFamily="34" charset="0"/>
                 <a:cs typeface="Arial" panose="020B0604020202020204" pitchFamily="34" charset="0"/>
               </a:rPr>
@@ -9884,7 +9960,7 @@
             <a:r>
               <a:rPr lang="en-GB" sz="1600" dirty="0">
                 <a:effectLst/>
-                <a:latin typeface="Calibri" panose="020F0502020204030204" pitchFamily="34" charset="0"/>
+                <a:latin typeface="+mj-lt"/>
                 <a:ea typeface="Calibri" panose="020F0502020204030204" pitchFamily="34" charset="0"/>
                 <a:cs typeface="Arial" panose="020B0604020202020204" pitchFamily="34" charset="0"/>
               </a:rPr>
@@ -9902,7 +9978,7 @@
                   <a:srgbClr val="000000"/>
                 </a:solidFill>
                 <a:effectLst/>
-                <a:latin typeface="Calibri" panose="020F0502020204030204" pitchFamily="34" charset="0"/>
+                <a:latin typeface="+mj-lt"/>
                 <a:cs typeface="Calibri" panose="020F0502020204030204" pitchFamily="34" charset="0"/>
               </a:rPr>
               <a:t>The decision Tree model accuracy score was </a:t>
@@ -9913,7 +9989,7 @@
                   <a:srgbClr val="000000"/>
                 </a:solidFill>
                 <a:effectLst/>
-                <a:latin typeface="Calibri" panose="020F0502020204030204" pitchFamily="34" charset="0"/>
+                <a:latin typeface="+mj-lt"/>
                 <a:cs typeface="Calibri" panose="020F0502020204030204" pitchFamily="34" charset="0"/>
               </a:rPr>
               <a:t>65% </a:t>
@@ -9924,7 +10000,7 @@
                   <a:srgbClr val="000000"/>
                 </a:solidFill>
                 <a:effectLst/>
-                <a:latin typeface="Calibri" panose="020F0502020204030204" pitchFamily="34" charset="0"/>
+                <a:latin typeface="+mj-lt"/>
                 <a:cs typeface="Calibri" panose="020F0502020204030204" pitchFamily="34" charset="0"/>
               </a:rPr>
               <a:t>on test dataset</a:t>
@@ -9944,7 +10020,7 @@
                   <a:srgbClr val="000000"/>
                 </a:solidFill>
                 <a:effectLst/>
-                <a:latin typeface="Calibri" panose="020F0502020204030204" pitchFamily="34" charset="0"/>
+                <a:latin typeface="+mj-lt"/>
                 <a:cs typeface="Calibri" panose="020F0502020204030204" pitchFamily="34" charset="0"/>
               </a:rPr>
               <a:t>The Random Forest model accuracy score was </a:t>
@@ -9958,7 +10034,7 @@
                   <a:srgbClr val="000000"/>
                 </a:solidFill>
                 <a:effectLst/>
-                <a:latin typeface="Calibri" panose="020F0502020204030204" pitchFamily="34" charset="0"/>
+                <a:latin typeface="+mj-lt"/>
                 <a:cs typeface="Calibri" panose="020F0502020204030204" pitchFamily="34" charset="0"/>
               </a:rPr>
               <a:t>69% </a:t>
@@ -9972,7 +10048,7 @@
                   <a:srgbClr val="000000"/>
                 </a:solidFill>
                 <a:effectLst/>
-                <a:latin typeface="Calibri" panose="020F0502020204030204" pitchFamily="34" charset="0"/>
+                <a:latin typeface="+mj-lt"/>
                 <a:cs typeface="Calibri" panose="020F0502020204030204" pitchFamily="34" charset="0"/>
               </a:rPr>
               <a:t>on test dataset</a:t>
@@ -9986,7 +10062,7 @@
                   <a:schemeClr val="tx1"/>
                 </a:solidFill>
                 <a:effectLst/>
-                <a:latin typeface="Calibri" panose="020F0502020204030204" pitchFamily="34" charset="0"/>
+                <a:latin typeface="+mj-lt"/>
                 <a:cs typeface="Calibri" panose="020F0502020204030204" pitchFamily="34" charset="0"/>
               </a:rPr>
               <a:t> </a:t>
@@ -9998,7 +10074,7 @@
               <a:buChar char="•"/>
             </a:pPr>
             <a:endParaRPr lang="en-GB" sz="1600" dirty="0">
-              <a:latin typeface="Calibri" panose="020F0502020204030204" pitchFamily="34" charset="0"/>
+              <a:latin typeface="+mj-lt"/>
               <a:cs typeface="Calibri" panose="020F0502020204030204" pitchFamily="34" charset="0"/>
             </a:endParaRPr>
           </a:p>
@@ -10013,7 +10089,7 @@
                   <a:srgbClr val="000000"/>
                 </a:solidFill>
                 <a:effectLst/>
-                <a:latin typeface="Calibri" panose="020F0502020204030204" pitchFamily="34" charset="0"/>
+                <a:latin typeface="+mj-lt"/>
                 <a:cs typeface="Calibri" panose="020F0502020204030204" pitchFamily="34" charset="0"/>
               </a:rPr>
               <a:t>The advice from the dataset </a:t>
@@ -10026,12 +10102,14 @@
             </a:pPr>
             <a:r>
               <a:rPr lang="en-GB" sz="1600" dirty="0">
-                <a:latin typeface="Calibri" panose="020F0502020204030204" pitchFamily="34" charset="0"/>
+                <a:latin typeface="+mj-lt"/>
                 <a:cs typeface="Calibri" panose="020F0502020204030204" pitchFamily="34" charset="0"/>
               </a:rPr>
               <a:t>The customers not happy with all these delay shipment and the company should improve the distribution to be sure to arrive the shipment on the time </a:t>
             </a:r>
-            <a:endParaRPr lang="en-GB" sz="1600" b="1" dirty="0"/>
+            <a:endParaRPr lang="en-GB" sz="1600" b="1" dirty="0">
+              <a:latin typeface="+mj-lt"/>
+            </a:endParaRPr>
           </a:p>
         </p:txBody>
       </p:sp>
@@ -10049,7 +10127,7 @@
         </p:nvGrpSpPr>
         <p:grpSpPr>
           <a:xfrm>
-            <a:off x="454202" y="1491461"/>
+            <a:off x="234278" y="1469362"/>
             <a:ext cx="460705" cy="353746"/>
             <a:chOff x="6506504" y="937343"/>
             <a:chExt cx="744273" cy="793950"/>
@@ -12375,11 +12453,15 @@
               <a:buNone/>
             </a:pPr>
             <a:r>
-              <a:rPr lang="en-GB" sz="1800" dirty="0"/>
+              <a:rPr lang="en-GB" sz="1800" dirty="0">
+                <a:latin typeface="+mj-lt"/>
+              </a:rPr>
               <a:t>P</a:t>
             </a:r>
             <a:r>
-              <a:rPr lang="en" sz="1800" dirty="0"/>
+              <a:rPr lang="en" sz="1800" dirty="0">
+                <a:latin typeface="+mj-lt"/>
+              </a:rPr>
               <a:t>rperied by </a:t>
             </a:r>
           </a:p>
@@ -12398,6 +12480,7 @@
                 <a:solidFill>
                   <a:schemeClr val="dk1"/>
                 </a:solidFill>
+                <a:latin typeface="+mj-lt"/>
               </a:rPr>
               <a:t>Meshari alshahrani </a:t>
             </a:r>
@@ -12481,10 +12564,10 @@
               <a:buNone/>
             </a:pPr>
             <a:r>
-              <a:rPr lang="en" sz="6000"/>
+              <a:rPr lang="en" sz="6000" dirty="0"/>
               <a:t>Thanks!</a:t>
             </a:r>
-            <a:endParaRPr sz="6000"/>
+            <a:endParaRPr sz="6000" dirty="0"/>
           </a:p>
         </p:txBody>
       </p:sp>
@@ -15450,7 +15533,7 @@
                 <a:solidFill>
                   <a:srgbClr val="000000"/>
                 </a:solidFill>
-                <a:latin typeface="Helvetica Neue"/>
+                <a:latin typeface="+mj-lt"/>
               </a:rPr>
               <a:t>      </a:t>
             </a:r>
@@ -15460,7 +15543,7 @@
                   <a:srgbClr val="000000"/>
                 </a:solidFill>
                 <a:effectLst/>
-                <a:latin typeface="Helvetica Neue"/>
+                <a:latin typeface="+mj-lt"/>
               </a:rPr>
               <a:t>Import libraries and Loading the data </a:t>
             </a:r>
@@ -15519,14 +15602,14 @@
                   <a:srgbClr val="000000"/>
                 </a:solidFill>
                 <a:effectLst/>
-                <a:latin typeface="Helvetica Neue"/>
+                <a:latin typeface="+mj-lt"/>
               </a:rPr>
               <a:t>    Cleaning and </a:t>
             </a:r>
             <a:r>
               <a:rPr lang="en-GB" b="1" dirty="0">
                 <a:effectLst/>
-                <a:latin typeface="Helvetica Neue"/>
+                <a:latin typeface="+mj-lt"/>
                 <a:ea typeface="Calibri" panose="020F0502020204030204" pitchFamily="34" charset="0"/>
                 <a:cs typeface="Arial" panose="020B0604020202020204" pitchFamily="34" charset="0"/>
               </a:rPr>
@@ -15538,12 +15621,12 @@
                   <a:srgbClr val="000000"/>
                 </a:solidFill>
                 <a:effectLst/>
-                <a:latin typeface="Helvetica Neue"/>
+                <a:latin typeface="+mj-lt"/>
               </a:rPr>
               <a:t>the data </a:t>
             </a:r>
             <a:endParaRPr b="1" dirty="0">
-              <a:latin typeface="Helvetica Neue"/>
+              <a:latin typeface="+mj-lt"/>
             </a:endParaRPr>
           </a:p>
         </p:txBody>
@@ -15588,11 +15671,13 @@
                   <a:srgbClr val="000000"/>
                 </a:solidFill>
                 <a:effectLst/>
-                <a:latin typeface="Helvetica Neue"/>
+                <a:latin typeface="+mj-lt"/>
               </a:rPr>
               <a:t>      EDA and Modelling of the date </a:t>
             </a:r>
-            <a:endParaRPr b="1" dirty="0"/>
+            <a:endParaRPr b="1" dirty="0">
+              <a:latin typeface="+mj-lt"/>
+            </a:endParaRPr>
           </a:p>
         </p:txBody>
       </p:sp>
@@ -17577,11 +17662,13 @@
                   <a:srgbClr val="000000"/>
                 </a:solidFill>
                 <a:effectLst/>
-                <a:latin typeface="Helvetica Neue"/>
+                <a:latin typeface="+mj-lt"/>
               </a:rPr>
               <a:t>10999 rows × 12 columns</a:t>
             </a:r>
-            <a:endParaRPr lang="en-GB" dirty="0"/>
+            <a:endParaRPr lang="en-GB" dirty="0">
+              <a:latin typeface="+mj-lt"/>
+            </a:endParaRPr>
           </a:p>
         </p:txBody>
       </p:sp>
@@ -17619,14 +17706,14 @@
                   <a:srgbClr val="000000"/>
                 </a:solidFill>
                 <a:effectLst/>
-                <a:latin typeface="Helvetica Neue"/>
+                <a:latin typeface="+mj-lt"/>
               </a:rPr>
               <a:t>Cleaning and </a:t>
             </a:r>
             <a:r>
               <a:rPr lang="en-GB" sz="1800" b="1" dirty="0">
                 <a:effectLst/>
-                <a:latin typeface="Helvetica Neue"/>
+                <a:latin typeface="+mj-lt"/>
                 <a:ea typeface="Calibri" panose="020F0502020204030204" pitchFamily="34" charset="0"/>
                 <a:cs typeface="Arial" panose="020B0604020202020204" pitchFamily="34" charset="0"/>
               </a:rPr>
@@ -17638,11 +17725,13 @@
                   <a:srgbClr val="000000"/>
                 </a:solidFill>
                 <a:effectLst/>
-                <a:latin typeface="Helvetica Neue"/>
+                <a:latin typeface="+mj-lt"/>
               </a:rPr>
               <a:t>the data </a:t>
             </a:r>
-            <a:endParaRPr lang="en-GB" sz="1800" dirty="0"/>
+            <a:endParaRPr lang="en-GB" sz="1800" dirty="0">
+              <a:latin typeface="+mj-lt"/>
+            </a:endParaRPr>
           </a:p>
         </p:txBody>
       </p:sp>
@@ -20494,6 +20583,10 @@
           </a:bodyPr>
           <a:lstStyle/>
           <a:p>
+            <a:pPr marL="285750" indent="-285750">
+              <a:buFont typeface="Wingdings" panose="05000000000000000000" pitchFamily="2" charset="2"/>
+              <a:buChar char="v"/>
+            </a:pPr>
             <a:r>
               <a:rPr lang="en-GB" sz="1600" b="1" u="sng" dirty="0"/>
               <a:t>Libraries </a:t>
@@ -20516,6 +20609,10 @@
             <a:endParaRPr lang="en-GB" dirty="0"/>
           </a:p>
           <a:p>
+            <a:pPr marL="285750" indent="-285750">
+              <a:buFont typeface="Wingdings" panose="05000000000000000000" pitchFamily="2" charset="2"/>
+              <a:buChar char="v"/>
+            </a:pPr>
             <a:r>
               <a:rPr lang="en-GB" sz="1600" b="1" u="sng" dirty="0"/>
               <a:t>Visualization</a:t>
@@ -20541,6 +20638,10 @@
             <a:endParaRPr lang="en-GB" dirty="0"/>
           </a:p>
           <a:p>
+            <a:pPr marL="285750" indent="-285750">
+              <a:buFont typeface="Wingdings" panose="05000000000000000000" pitchFamily="2" charset="2"/>
+              <a:buChar char="v"/>
+            </a:pPr>
             <a:r>
               <a:rPr lang="en-GB" sz="1600" b="1" u="sng" dirty="0"/>
               <a:t>Modelling</a:t>
@@ -20624,16 +20725,18 @@
               <a:buNone/>
             </a:pPr>
             <a:r>
-              <a:rPr lang="en-GB" b="0" i="0" dirty="0">
+              <a:rPr lang="en-GB" i="0" dirty="0">
                 <a:solidFill>
                   <a:srgbClr val="000000"/>
                 </a:solidFill>
                 <a:effectLst/>
-                <a:latin typeface="Helvetica Neue"/>
+                <a:latin typeface="Lora" pitchFamily="2" charset="0"/>
               </a:rPr>
-              <a:t>#The chart review which way the most used to transfer the shipment</a:t>
+              <a:t>The chart review which way the most used to transfer the shipment</a:t>
             </a:r>
-            <a:endParaRPr dirty="0"/>
+            <a:endParaRPr dirty="0">
+              <a:latin typeface="Lora" pitchFamily="2" charset="0"/>
+            </a:endParaRPr>
           </a:p>
         </p:txBody>
       </p:sp>
@@ -21336,7 +21439,9 @@
           <a:lstStyle/>
           <a:p>
             <a:r>
-              <a:rPr lang="en-GB" sz="1600" dirty="0"/>
+              <a:rPr lang="en-GB" sz="1600" dirty="0">
+                <a:latin typeface="+mj-lt"/>
+              </a:rPr>
               <a:t>The relation between the product important and the time of received the shipment </a:t>
             </a:r>
           </a:p>
@@ -21410,6 +21515,606 @@
           </a:prstGeom>
         </p:spPr>
       </p:pic>
+      <p:grpSp>
+        <p:nvGrpSpPr>
+          <p:cNvPr id="10" name="Google Shape;174;p20">
+            <a:extLst>
+              <a:ext uri="{FF2B5EF4-FFF2-40B4-BE49-F238E27FC236}">
+                <a16:creationId xmlns:a16="http://schemas.microsoft.com/office/drawing/2014/main" id="{356CBB1A-CA6C-4D51-ACFB-C56299B039CE}"/>
+              </a:ext>
+            </a:extLst>
+          </p:cNvPr>
+          <p:cNvGrpSpPr/>
+          <p:nvPr/>
+        </p:nvGrpSpPr>
+        <p:grpSpPr>
+          <a:xfrm>
+            <a:off x="916458" y="1019750"/>
+            <a:ext cx="214625" cy="214625"/>
+            <a:chOff x="2594050" y="1631825"/>
+            <a:chExt cx="439625" cy="439625"/>
+          </a:xfrm>
+        </p:grpSpPr>
+        <p:sp>
+          <p:nvSpPr>
+            <p:cNvPr id="11" name="Google Shape;175;p20">
+              <a:extLst>
+                <a:ext uri="{FF2B5EF4-FFF2-40B4-BE49-F238E27FC236}">
+                  <a16:creationId xmlns:a16="http://schemas.microsoft.com/office/drawing/2014/main" id="{DEF0AE6E-7470-4EE2-919D-190677B2FF4E}"/>
+                </a:ext>
+              </a:extLst>
+            </p:cNvPr>
+            <p:cNvSpPr/>
+            <p:nvPr/>
+          </p:nvSpPr>
+          <p:spPr>
+            <a:xfrm>
+              <a:off x="2594050" y="1883300"/>
+              <a:ext cx="188175" cy="188150"/>
+            </a:xfrm>
+            <a:custGeom>
+              <a:avLst/>
+              <a:gdLst/>
+              <a:ahLst/>
+              <a:cxnLst/>
+              <a:rect l="l" t="t" r="r" b="b"/>
+              <a:pathLst>
+                <a:path w="7527" h="7526" fill="none" extrusionOk="0">
+                  <a:moveTo>
+                    <a:pt x="5992" y="0"/>
+                  </a:moveTo>
+                  <a:lnTo>
+                    <a:pt x="537" y="6430"/>
+                  </a:lnTo>
+                  <a:lnTo>
+                    <a:pt x="1" y="7526"/>
+                  </a:lnTo>
+                  <a:lnTo>
+                    <a:pt x="1097" y="6990"/>
+                  </a:lnTo>
+                  <a:lnTo>
+                    <a:pt x="7526" y="1534"/>
+                  </a:lnTo>
+                  <a:lnTo>
+                    <a:pt x="5992" y="0"/>
+                  </a:lnTo>
+                  <a:close/>
+                </a:path>
+              </a:pathLst>
+            </a:custGeom>
+            <a:noFill/>
+            <a:ln w="9525" cap="rnd" cmpd="sng">
+              <a:solidFill>
+                <a:srgbClr val="000000"/>
+              </a:solidFill>
+              <a:prstDash val="solid"/>
+              <a:round/>
+              <a:headEnd type="none" w="sm" len="sm"/>
+              <a:tailEnd type="none" w="sm" len="sm"/>
+            </a:ln>
+          </p:spPr>
+          <p:txBody>
+            <a:bodyPr spcFirstLastPara="1" wrap="square" lIns="91425" tIns="91425" rIns="91425" bIns="91425" anchor="ctr" anchorCtr="0">
+              <a:noAutofit/>
+            </a:bodyPr>
+            <a:lstStyle/>
+            <a:p>
+              <a:pPr marL="0" lvl="0" indent="0" algn="l" rtl="0">
+                <a:spcBef>
+                  <a:spcPts val="0"/>
+                </a:spcBef>
+                <a:spcAft>
+                  <a:spcPts val="0"/>
+                </a:spcAft>
+                <a:buNone/>
+              </a:pPr>
+              <a:endParaRPr/>
+            </a:p>
+          </p:txBody>
+        </p:sp>
+        <p:sp>
+          <p:nvSpPr>
+            <p:cNvPr id="12" name="Google Shape;176;p20">
+              <a:extLst>
+                <a:ext uri="{FF2B5EF4-FFF2-40B4-BE49-F238E27FC236}">
+                  <a16:creationId xmlns:a16="http://schemas.microsoft.com/office/drawing/2014/main" id="{458FE1BF-5641-4F61-B1B2-6D5496BCF2DC}"/>
+                </a:ext>
+              </a:extLst>
+            </p:cNvPr>
+            <p:cNvSpPr/>
+            <p:nvPr/>
+          </p:nvSpPr>
+          <p:spPr>
+            <a:xfrm>
+              <a:off x="2857700" y="1631825"/>
+              <a:ext cx="175975" cy="176000"/>
+            </a:xfrm>
+            <a:custGeom>
+              <a:avLst/>
+              <a:gdLst/>
+              <a:ahLst/>
+              <a:cxnLst/>
+              <a:rect l="l" t="t" r="r" b="b"/>
+              <a:pathLst>
+                <a:path w="7039" h="7040" fill="none" extrusionOk="0">
+                  <a:moveTo>
+                    <a:pt x="268" y="2704"/>
+                  </a:moveTo>
+                  <a:lnTo>
+                    <a:pt x="4336" y="6771"/>
+                  </a:lnTo>
+                  <a:lnTo>
+                    <a:pt x="4336" y="6771"/>
+                  </a:lnTo>
+                  <a:lnTo>
+                    <a:pt x="4336" y="6771"/>
+                  </a:lnTo>
+                  <a:lnTo>
+                    <a:pt x="4652" y="6917"/>
+                  </a:lnTo>
+                  <a:lnTo>
+                    <a:pt x="4993" y="7015"/>
+                  </a:lnTo>
+                  <a:lnTo>
+                    <a:pt x="5310" y="7039"/>
+                  </a:lnTo>
+                  <a:lnTo>
+                    <a:pt x="5651" y="7039"/>
+                  </a:lnTo>
+                  <a:lnTo>
+                    <a:pt x="5992" y="6966"/>
+                  </a:lnTo>
+                  <a:lnTo>
+                    <a:pt x="6308" y="6844"/>
+                  </a:lnTo>
+                  <a:lnTo>
+                    <a:pt x="6454" y="6747"/>
+                  </a:lnTo>
+                  <a:lnTo>
+                    <a:pt x="6601" y="6674"/>
+                  </a:lnTo>
+                  <a:lnTo>
+                    <a:pt x="6747" y="6552"/>
+                  </a:lnTo>
+                  <a:lnTo>
+                    <a:pt x="6893" y="6430"/>
+                  </a:lnTo>
+                  <a:lnTo>
+                    <a:pt x="6893" y="6430"/>
+                  </a:lnTo>
+                  <a:lnTo>
+                    <a:pt x="6942" y="6357"/>
+                  </a:lnTo>
+                  <a:lnTo>
+                    <a:pt x="7015" y="6260"/>
+                  </a:lnTo>
+                  <a:lnTo>
+                    <a:pt x="7039" y="6138"/>
+                  </a:lnTo>
+                  <a:lnTo>
+                    <a:pt x="7039" y="6041"/>
+                  </a:lnTo>
+                  <a:lnTo>
+                    <a:pt x="7039" y="6041"/>
+                  </a:lnTo>
+                  <a:lnTo>
+                    <a:pt x="7039" y="5943"/>
+                  </a:lnTo>
+                  <a:lnTo>
+                    <a:pt x="7015" y="5846"/>
+                  </a:lnTo>
+                  <a:lnTo>
+                    <a:pt x="6942" y="5748"/>
+                  </a:lnTo>
+                  <a:lnTo>
+                    <a:pt x="6893" y="5651"/>
+                  </a:lnTo>
+                  <a:lnTo>
+                    <a:pt x="1389" y="147"/>
+                  </a:lnTo>
+                  <a:lnTo>
+                    <a:pt x="1389" y="147"/>
+                  </a:lnTo>
+                  <a:lnTo>
+                    <a:pt x="1291" y="98"/>
+                  </a:lnTo>
+                  <a:lnTo>
+                    <a:pt x="1194" y="25"/>
+                  </a:lnTo>
+                  <a:lnTo>
+                    <a:pt x="1096" y="0"/>
+                  </a:lnTo>
+                  <a:lnTo>
+                    <a:pt x="999" y="0"/>
+                  </a:lnTo>
+                  <a:lnTo>
+                    <a:pt x="999" y="0"/>
+                  </a:lnTo>
+                  <a:lnTo>
+                    <a:pt x="902" y="0"/>
+                  </a:lnTo>
+                  <a:lnTo>
+                    <a:pt x="780" y="25"/>
+                  </a:lnTo>
+                  <a:lnTo>
+                    <a:pt x="682" y="98"/>
+                  </a:lnTo>
+                  <a:lnTo>
+                    <a:pt x="609" y="147"/>
+                  </a:lnTo>
+                  <a:lnTo>
+                    <a:pt x="609" y="147"/>
+                  </a:lnTo>
+                  <a:lnTo>
+                    <a:pt x="487" y="293"/>
+                  </a:lnTo>
+                  <a:lnTo>
+                    <a:pt x="366" y="439"/>
+                  </a:lnTo>
+                  <a:lnTo>
+                    <a:pt x="293" y="585"/>
+                  </a:lnTo>
+                  <a:lnTo>
+                    <a:pt x="195" y="731"/>
+                  </a:lnTo>
+                  <a:lnTo>
+                    <a:pt x="73" y="1048"/>
+                  </a:lnTo>
+                  <a:lnTo>
+                    <a:pt x="0" y="1389"/>
+                  </a:lnTo>
+                  <a:lnTo>
+                    <a:pt x="0" y="1730"/>
+                  </a:lnTo>
+                  <a:lnTo>
+                    <a:pt x="25" y="2046"/>
+                  </a:lnTo>
+                  <a:lnTo>
+                    <a:pt x="122" y="2387"/>
+                  </a:lnTo>
+                  <a:lnTo>
+                    <a:pt x="268" y="2704"/>
+                  </a:lnTo>
+                  <a:lnTo>
+                    <a:pt x="268" y="2704"/>
+                  </a:lnTo>
+                  <a:close/>
+                </a:path>
+              </a:pathLst>
+            </a:custGeom>
+            <a:noFill/>
+            <a:ln w="9525" cap="rnd" cmpd="sng">
+              <a:solidFill>
+                <a:srgbClr val="000000"/>
+              </a:solidFill>
+              <a:prstDash val="solid"/>
+              <a:round/>
+              <a:headEnd type="none" w="sm" len="sm"/>
+              <a:tailEnd type="none" w="sm" len="sm"/>
+            </a:ln>
+          </p:spPr>
+          <p:txBody>
+            <a:bodyPr spcFirstLastPara="1" wrap="square" lIns="91425" tIns="91425" rIns="91425" bIns="91425" anchor="ctr" anchorCtr="0">
+              <a:noAutofit/>
+            </a:bodyPr>
+            <a:lstStyle/>
+            <a:p>
+              <a:pPr marL="0" lvl="0" indent="0" algn="l" rtl="0">
+                <a:spcBef>
+                  <a:spcPts val="0"/>
+                </a:spcBef>
+                <a:spcAft>
+                  <a:spcPts val="0"/>
+                </a:spcAft>
+                <a:buNone/>
+              </a:pPr>
+              <a:endParaRPr/>
+            </a:p>
+          </p:txBody>
+        </p:sp>
+        <p:sp>
+          <p:nvSpPr>
+            <p:cNvPr id="13" name="Google Shape;177;p20">
+              <a:extLst>
+                <a:ext uri="{FF2B5EF4-FFF2-40B4-BE49-F238E27FC236}">
+                  <a16:creationId xmlns:a16="http://schemas.microsoft.com/office/drawing/2014/main" id="{09ABE5B6-2EC1-407A-B4A5-8E9F44AAB237}"/>
+                </a:ext>
+              </a:extLst>
+            </p:cNvPr>
+            <p:cNvSpPr/>
+            <p:nvPr/>
+          </p:nvSpPr>
+          <p:spPr>
+            <a:xfrm>
+              <a:off x="2662850" y="1699400"/>
+              <a:ext cx="303250" cy="303250"/>
+            </a:xfrm>
+            <a:custGeom>
+              <a:avLst/>
+              <a:gdLst/>
+              <a:ahLst/>
+              <a:cxnLst/>
+              <a:rect l="l" t="t" r="r" b="b"/>
+              <a:pathLst>
+                <a:path w="12130" h="12130" fill="none" extrusionOk="0">
+                  <a:moveTo>
+                    <a:pt x="8038" y="1"/>
+                  </a:moveTo>
+                  <a:lnTo>
+                    <a:pt x="4872" y="3191"/>
+                  </a:lnTo>
+                  <a:lnTo>
+                    <a:pt x="4872" y="3191"/>
+                  </a:lnTo>
+                  <a:lnTo>
+                    <a:pt x="4628" y="3094"/>
+                  </a:lnTo>
+                  <a:lnTo>
+                    <a:pt x="4385" y="2997"/>
+                  </a:lnTo>
+                  <a:lnTo>
+                    <a:pt x="4092" y="2899"/>
+                  </a:lnTo>
+                  <a:lnTo>
+                    <a:pt x="3800" y="2850"/>
+                  </a:lnTo>
+                  <a:lnTo>
+                    <a:pt x="3484" y="2777"/>
+                  </a:lnTo>
+                  <a:lnTo>
+                    <a:pt x="3167" y="2729"/>
+                  </a:lnTo>
+                  <a:lnTo>
+                    <a:pt x="2850" y="2704"/>
+                  </a:lnTo>
+                  <a:lnTo>
+                    <a:pt x="2534" y="2704"/>
+                  </a:lnTo>
+                  <a:lnTo>
+                    <a:pt x="2534" y="2704"/>
+                  </a:lnTo>
+                  <a:lnTo>
+                    <a:pt x="2241" y="2704"/>
+                  </a:lnTo>
+                  <a:lnTo>
+                    <a:pt x="1949" y="2729"/>
+                  </a:lnTo>
+                  <a:lnTo>
+                    <a:pt x="1633" y="2777"/>
+                  </a:lnTo>
+                  <a:lnTo>
+                    <a:pt x="1316" y="2850"/>
+                  </a:lnTo>
+                  <a:lnTo>
+                    <a:pt x="999" y="2972"/>
+                  </a:lnTo>
+                  <a:lnTo>
+                    <a:pt x="707" y="3094"/>
+                  </a:lnTo>
+                  <a:lnTo>
+                    <a:pt x="415" y="3289"/>
+                  </a:lnTo>
+                  <a:lnTo>
+                    <a:pt x="147" y="3508"/>
+                  </a:lnTo>
+                  <a:lnTo>
+                    <a:pt x="147" y="3508"/>
+                  </a:lnTo>
+                  <a:lnTo>
+                    <a:pt x="74" y="3581"/>
+                  </a:lnTo>
+                  <a:lnTo>
+                    <a:pt x="25" y="3678"/>
+                  </a:lnTo>
+                  <a:lnTo>
+                    <a:pt x="1" y="3776"/>
+                  </a:lnTo>
+                  <a:lnTo>
+                    <a:pt x="1" y="3898"/>
+                  </a:lnTo>
+                  <a:lnTo>
+                    <a:pt x="1" y="3898"/>
+                  </a:lnTo>
+                  <a:lnTo>
+                    <a:pt x="1" y="3995"/>
+                  </a:lnTo>
+                  <a:lnTo>
+                    <a:pt x="25" y="4093"/>
+                  </a:lnTo>
+                  <a:lnTo>
+                    <a:pt x="74" y="4190"/>
+                  </a:lnTo>
+                  <a:lnTo>
+                    <a:pt x="147" y="4287"/>
+                  </a:lnTo>
+                  <a:lnTo>
+                    <a:pt x="7843" y="11984"/>
+                  </a:lnTo>
+                  <a:lnTo>
+                    <a:pt x="7843" y="11984"/>
+                  </a:lnTo>
+                  <a:lnTo>
+                    <a:pt x="7941" y="12057"/>
+                  </a:lnTo>
+                  <a:lnTo>
+                    <a:pt x="8038" y="12105"/>
+                  </a:lnTo>
+                  <a:lnTo>
+                    <a:pt x="8135" y="12130"/>
+                  </a:lnTo>
+                  <a:lnTo>
+                    <a:pt x="8233" y="12130"/>
+                  </a:lnTo>
+                  <a:lnTo>
+                    <a:pt x="8233" y="12130"/>
+                  </a:lnTo>
+                  <a:lnTo>
+                    <a:pt x="8355" y="12130"/>
+                  </a:lnTo>
+                  <a:lnTo>
+                    <a:pt x="8452" y="12105"/>
+                  </a:lnTo>
+                  <a:lnTo>
+                    <a:pt x="8549" y="12057"/>
+                  </a:lnTo>
+                  <a:lnTo>
+                    <a:pt x="8622" y="11984"/>
+                  </a:lnTo>
+                  <a:lnTo>
+                    <a:pt x="8622" y="11984"/>
+                  </a:lnTo>
+                  <a:lnTo>
+                    <a:pt x="8842" y="11716"/>
+                  </a:lnTo>
+                  <a:lnTo>
+                    <a:pt x="9036" y="11423"/>
+                  </a:lnTo>
+                  <a:lnTo>
+                    <a:pt x="9158" y="11131"/>
+                  </a:lnTo>
+                  <a:lnTo>
+                    <a:pt x="9280" y="10814"/>
+                  </a:lnTo>
+                  <a:lnTo>
+                    <a:pt x="9353" y="10498"/>
+                  </a:lnTo>
+                  <a:lnTo>
+                    <a:pt x="9402" y="10181"/>
+                  </a:lnTo>
+                  <a:lnTo>
+                    <a:pt x="9426" y="9889"/>
+                  </a:lnTo>
+                  <a:lnTo>
+                    <a:pt x="9426" y="9597"/>
+                  </a:lnTo>
+                  <a:lnTo>
+                    <a:pt x="9426" y="9597"/>
+                  </a:lnTo>
+                  <a:lnTo>
+                    <a:pt x="9426" y="9280"/>
+                  </a:lnTo>
+                  <a:lnTo>
+                    <a:pt x="9402" y="8964"/>
+                  </a:lnTo>
+                  <a:lnTo>
+                    <a:pt x="9353" y="8647"/>
+                  </a:lnTo>
+                  <a:lnTo>
+                    <a:pt x="9280" y="8330"/>
+                  </a:lnTo>
+                  <a:lnTo>
+                    <a:pt x="9231" y="8038"/>
+                  </a:lnTo>
+                  <a:lnTo>
+                    <a:pt x="9134" y="7746"/>
+                  </a:lnTo>
+                  <a:lnTo>
+                    <a:pt x="9036" y="7502"/>
+                  </a:lnTo>
+                  <a:lnTo>
+                    <a:pt x="8939" y="7259"/>
+                  </a:lnTo>
+                  <a:lnTo>
+                    <a:pt x="12130" y="4093"/>
+                  </a:lnTo>
+                </a:path>
+              </a:pathLst>
+            </a:custGeom>
+            <a:noFill/>
+            <a:ln w="9525" cap="rnd" cmpd="sng">
+              <a:solidFill>
+                <a:srgbClr val="000000"/>
+              </a:solidFill>
+              <a:prstDash val="solid"/>
+              <a:round/>
+              <a:headEnd type="none" w="sm" len="sm"/>
+              <a:tailEnd type="none" w="sm" len="sm"/>
+            </a:ln>
+          </p:spPr>
+          <p:txBody>
+            <a:bodyPr spcFirstLastPara="1" wrap="square" lIns="91425" tIns="91425" rIns="91425" bIns="91425" anchor="ctr" anchorCtr="0">
+              <a:noAutofit/>
+            </a:bodyPr>
+            <a:lstStyle/>
+            <a:p>
+              <a:pPr marL="0" lvl="0" indent="0" algn="l" rtl="0">
+                <a:spcBef>
+                  <a:spcPts val="0"/>
+                </a:spcBef>
+                <a:spcAft>
+                  <a:spcPts val="0"/>
+                </a:spcAft>
+                <a:buNone/>
+              </a:pPr>
+              <a:endParaRPr/>
+            </a:p>
+          </p:txBody>
+        </p:sp>
+        <p:sp>
+          <p:nvSpPr>
+            <p:cNvPr id="14" name="Google Shape;178;p20">
+              <a:extLst>
+                <a:ext uri="{FF2B5EF4-FFF2-40B4-BE49-F238E27FC236}">
+                  <a16:creationId xmlns:a16="http://schemas.microsoft.com/office/drawing/2014/main" id="{72B16AD7-DDCD-4D00-884A-8EFA34AD8212}"/>
+                </a:ext>
+              </a:extLst>
+            </p:cNvPr>
+            <p:cNvSpPr/>
+            <p:nvPr/>
+          </p:nvSpPr>
+          <p:spPr>
+            <a:xfrm>
+              <a:off x="2814912" y="1754062"/>
+              <a:ext cx="49950" cy="49950"/>
+            </a:xfrm>
+            <a:custGeom>
+              <a:avLst/>
+              <a:gdLst/>
+              <a:ahLst/>
+              <a:cxnLst/>
+              <a:rect l="l" t="t" r="r" b="b"/>
+              <a:pathLst>
+                <a:path w="1998" h="1998" fill="none" extrusionOk="0">
+                  <a:moveTo>
+                    <a:pt x="1" y="1997"/>
+                  </a:moveTo>
+                  <a:lnTo>
+                    <a:pt x="1998" y="0"/>
+                  </a:lnTo>
+                </a:path>
+              </a:pathLst>
+            </a:custGeom>
+            <a:noFill/>
+            <a:ln w="9525" cap="rnd" cmpd="sng">
+              <a:solidFill>
+                <a:srgbClr val="000000"/>
+              </a:solidFill>
+              <a:prstDash val="solid"/>
+              <a:round/>
+              <a:headEnd type="none" w="sm" len="sm"/>
+              <a:tailEnd type="none" w="sm" len="sm"/>
+            </a:ln>
+          </p:spPr>
+          <p:txBody>
+            <a:bodyPr spcFirstLastPara="1" wrap="square" lIns="91425" tIns="91425" rIns="91425" bIns="91425" anchor="ctr" anchorCtr="0">
+              <a:noAutofit/>
+            </a:bodyPr>
+            <a:lstStyle/>
+            <a:p>
+              <a:pPr marL="0" lvl="0" indent="0" algn="l" rtl="0">
+                <a:spcBef>
+                  <a:spcPts val="0"/>
+                </a:spcBef>
+                <a:spcAft>
+                  <a:spcPts val="0"/>
+                </a:spcAft>
+                <a:buNone/>
+              </a:pPr>
+              <a:endParaRPr/>
+            </a:p>
+          </p:txBody>
+        </p:sp>
+      </p:grpSp>
     </p:spTree>
     <p:extLst>
       <p:ext uri="{BB962C8B-B14F-4D97-AF65-F5344CB8AC3E}">
@@ -21426,6 +22131,14 @@
 <file path=ppt/slides/slide8.xml><?xml version="1.0" encoding="utf-8"?>
 <p:sld xmlns:a="http://schemas.openxmlformats.org/drawingml/2006/main" xmlns:r="http://schemas.openxmlformats.org/officeDocument/2006/relationships" xmlns:p="http://schemas.openxmlformats.org/presentationml/2006/main">
   <p:cSld>
+    <p:bg>
+      <p:bgPr>
+        <a:solidFill>
+          <a:schemeClr val="bg1"/>
+        </a:solidFill>
+        <a:effectLst/>
+      </p:bgPr>
+    </p:bg>
     <p:spTree>
       <p:nvGrpSpPr>
         <p:cNvPr id="1" name=""/>
@@ -21764,7 +22477,9 @@
           </a:lstStyle>
           <a:p>
             <a:r>
-              <a:rPr lang="en-GB" sz="1600" dirty="0"/>
+              <a:rPr lang="en-GB" sz="1600" b="1" dirty="0">
+                <a:latin typeface="+mj-lt"/>
+              </a:rPr>
               <a:t>The relation between the cost of the product and the time of received the shipment </a:t>
             </a:r>
           </a:p>
